--- a/sarcoma.pptx
+++ b/sarcoma.pptx
@@ -5,13 +5,14 @@
     <p:sldMasterId id="2147483648" r:id="rId1"/>
   </p:sldMasterIdLst>
   <p:notesMasterIdLst>
-    <p:notesMasterId r:id="rId6"/>
+    <p:notesMasterId r:id="rId7"/>
   </p:notesMasterIdLst>
   <p:sldIdLst>
     <p:sldId id="256" r:id="rId2"/>
     <p:sldId id="261" r:id="rId3"/>
     <p:sldId id="258" r:id="rId4"/>
     <p:sldId id="259" r:id="rId5"/>
+    <p:sldId id="262" r:id="rId6"/>
   </p:sldIdLst>
   <p:sldSz cx="12192000" cy="6858000"/>
   <p:notesSz cx="6858000" cy="9144000"/>
@@ -110,6 +111,11 @@
       </a:defRPr>
     </a:lvl9pPr>
   </p:defaultTextStyle>
+  <p:extLst>
+    <p:ext uri="{EFAFB233-063F-42B5-8137-9DF3F51BA10A}">
+      <p15:sldGuideLst xmlns:p15="http://schemas.microsoft.com/office/powerpoint/2012/main"/>
+    </p:ext>
+  </p:extLst>
 </p:presentation>
 </file>
 
@@ -194,7 +200,7 @@
           </a:lstStyle>
           <a:p>
             <a:fld id="{634E7D24-A05A-7343-83CB-D64E27440952}" type="datetimeFigureOut">
-              <a:t>05.10.22</a:t>
+              <a:t>06.10.22</a:t>
             </a:fld>
             <a:endParaRPr lang="en-CH"/>
           </a:p>
@@ -1204,7 +1210,7 @@
           <a:p>
             <a:fld id="{23303D97-C108-4141-97B3-51449D232EA5}" type="datetimeFigureOut">
               <a:rPr lang="en-CH" smtClean="0"/>
-              <a:t>05.10.22</a:t>
+              <a:t>06.10.22</a:t>
             </a:fld>
             <a:endParaRPr lang="en-CH"/>
           </a:p>
@@ -1404,7 +1410,7 @@
           <a:p>
             <a:fld id="{23303D97-C108-4141-97B3-51449D232EA5}" type="datetimeFigureOut">
               <a:rPr lang="en-CH" smtClean="0"/>
-              <a:t>05.10.22</a:t>
+              <a:t>06.10.22</a:t>
             </a:fld>
             <a:endParaRPr lang="en-CH"/>
           </a:p>
@@ -1614,7 +1620,7 @@
           <a:p>
             <a:fld id="{23303D97-C108-4141-97B3-51449D232EA5}" type="datetimeFigureOut">
               <a:rPr lang="en-CH" smtClean="0"/>
-              <a:t>05.10.22</a:t>
+              <a:t>06.10.22</a:t>
             </a:fld>
             <a:endParaRPr lang="en-CH"/>
           </a:p>
@@ -1814,7 +1820,7 @@
           <a:p>
             <a:fld id="{23303D97-C108-4141-97B3-51449D232EA5}" type="datetimeFigureOut">
               <a:rPr lang="en-CH" smtClean="0"/>
-              <a:t>05.10.22</a:t>
+              <a:t>06.10.22</a:t>
             </a:fld>
             <a:endParaRPr lang="en-CH"/>
           </a:p>
@@ -2090,7 +2096,7 @@
           <a:p>
             <a:fld id="{23303D97-C108-4141-97B3-51449D232EA5}" type="datetimeFigureOut">
               <a:rPr lang="en-CH" smtClean="0"/>
-              <a:t>05.10.22</a:t>
+              <a:t>06.10.22</a:t>
             </a:fld>
             <a:endParaRPr lang="en-CH"/>
           </a:p>
@@ -2358,7 +2364,7 @@
           <a:p>
             <a:fld id="{23303D97-C108-4141-97B3-51449D232EA5}" type="datetimeFigureOut">
               <a:rPr lang="en-CH" smtClean="0"/>
-              <a:t>05.10.22</a:t>
+              <a:t>06.10.22</a:t>
             </a:fld>
             <a:endParaRPr lang="en-CH"/>
           </a:p>
@@ -2773,7 +2779,7 @@
           <a:p>
             <a:fld id="{23303D97-C108-4141-97B3-51449D232EA5}" type="datetimeFigureOut">
               <a:rPr lang="en-CH" smtClean="0"/>
-              <a:t>05.10.22</a:t>
+              <a:t>06.10.22</a:t>
             </a:fld>
             <a:endParaRPr lang="en-CH"/>
           </a:p>
@@ -2915,7 +2921,7 @@
           <a:p>
             <a:fld id="{23303D97-C108-4141-97B3-51449D232EA5}" type="datetimeFigureOut">
               <a:rPr lang="en-CH" smtClean="0"/>
-              <a:t>05.10.22</a:t>
+              <a:t>06.10.22</a:t>
             </a:fld>
             <a:endParaRPr lang="en-CH"/>
           </a:p>
@@ -3028,7 +3034,7 @@
           <a:p>
             <a:fld id="{23303D97-C108-4141-97B3-51449D232EA5}" type="datetimeFigureOut">
               <a:rPr lang="en-CH" smtClean="0"/>
-              <a:t>05.10.22</a:t>
+              <a:t>06.10.22</a:t>
             </a:fld>
             <a:endParaRPr lang="en-CH"/>
           </a:p>
@@ -3341,7 +3347,7 @@
           <a:p>
             <a:fld id="{23303D97-C108-4141-97B3-51449D232EA5}" type="datetimeFigureOut">
               <a:rPr lang="en-CH" smtClean="0"/>
-              <a:t>05.10.22</a:t>
+              <a:t>06.10.22</a:t>
             </a:fld>
             <a:endParaRPr lang="en-CH"/>
           </a:p>
@@ -3630,7 +3636,7 @@
           <a:p>
             <a:fld id="{23303D97-C108-4141-97B3-51449D232EA5}" type="datetimeFigureOut">
               <a:rPr lang="en-CH" smtClean="0"/>
-              <a:t>05.10.22</a:t>
+              <a:t>06.10.22</a:t>
             </a:fld>
             <a:endParaRPr lang="en-CH"/>
           </a:p>
@@ -3873,7 +3879,7 @@
           <a:p>
             <a:fld id="{23303D97-C108-4141-97B3-51449D232EA5}" type="datetimeFigureOut">
               <a:rPr lang="en-CH" smtClean="0"/>
-              <a:t>05.10.22</a:t>
+              <a:t>06.10.22</a:t>
             </a:fld>
             <a:endParaRPr lang="en-CH"/>
           </a:p>
@@ -4306,40 +4312,115 @@
             <p:ph type="ctrTitle"/>
           </p:nvPr>
         </p:nvSpPr>
-        <p:spPr/>
-        <p:txBody>
-          <a:bodyPr/>
-          <a:lstStyle/>
-          <a:p>
+        <p:spPr>
+          <a:xfrm>
+            <a:off x="1524000" y="1342406"/>
+            <a:ext cx="9144000" cy="2387600"/>
+          </a:xfrm>
+        </p:spPr>
+        <p:txBody>
+          <a:bodyPr>
+            <a:normAutofit/>
+          </a:bodyPr>
+          <a:lstStyle/>
+          <a:p>
+            <a:r>
+              <a:rPr lang="en-CH" sz="8000" dirty="0"/>
+              <a:t>Sarcoma</a:t>
+            </a:r>
+          </a:p>
+        </p:txBody>
+      </p:sp>
+      <p:sp>
+        <p:nvSpPr>
+          <p:cNvPr id="3" name="Subtitle 2">
+            <a:extLst>
+              <a:ext uri="{FF2B5EF4-FFF2-40B4-BE49-F238E27FC236}">
+                <a16:creationId xmlns:a16="http://schemas.microsoft.com/office/drawing/2014/main" id="{DD111E28-9B53-AEE3-54DA-61F502103639}"/>
+              </a:ext>
+            </a:extLst>
+          </p:cNvPr>
+          <p:cNvSpPr>
+            <a:spLocks noGrp="1"/>
+          </p:cNvSpPr>
+          <p:nvPr>
+            <p:ph type="subTitle" idx="1"/>
+          </p:nvPr>
+        </p:nvSpPr>
+        <p:spPr>
+          <a:xfrm>
+            <a:off x="1136374" y="4267960"/>
+            <a:ext cx="9144000" cy="1655762"/>
+          </a:xfrm>
+        </p:spPr>
+        <p:txBody>
+          <a:bodyPr>
+            <a:normAutofit fontScale="62500" lnSpcReduction="20000"/>
+          </a:bodyPr>
+          <a:lstStyle/>
+          <a:p>
+            <a:pPr algn="l"/>
+            <a:r>
+              <a:rPr lang="en-CH" sz="3600" dirty="0"/>
+              <a:t>Flurin Läuchli</a:t>
+            </a:r>
+          </a:p>
+          <a:p>
+            <a:pPr algn="l"/>
+            <a:r>
+              <a:rPr lang="en-CH" sz="3600" dirty="0"/>
+              <a:t>Daniel Breitenmoser</a:t>
+            </a:r>
+          </a:p>
+          <a:p>
+            <a:pPr algn="l"/>
+            <a:endParaRPr lang="en-CH" dirty="0"/>
+          </a:p>
+          <a:p>
+            <a:pPr algn="l"/>
+            <a:endParaRPr lang="en-CH" dirty="0"/>
+          </a:p>
+          <a:p>
+            <a:pPr algn="l"/>
             <a:r>
               <a:rPr lang="en-CH" dirty="0"/>
-              <a:t>sarcoma</a:t>
-            </a:r>
-          </a:p>
-        </p:txBody>
-      </p:sp>
-      <p:sp>
-        <p:nvSpPr>
-          <p:cNvPr id="3" name="Subtitle 2">
-            <a:extLst>
-              <a:ext uri="{FF2B5EF4-FFF2-40B4-BE49-F238E27FC236}">
-                <a16:creationId xmlns:a16="http://schemas.microsoft.com/office/drawing/2014/main" id="{DD111E28-9B53-AEE3-54DA-61F502103639}"/>
-              </a:ext>
-            </a:extLst>
-          </p:cNvPr>
-          <p:cNvSpPr>
-            <a:spLocks noGrp="1"/>
-          </p:cNvSpPr>
-          <p:nvPr>
-            <p:ph type="subTitle" idx="1"/>
-          </p:nvPr>
-        </p:nvSpPr>
-        <p:spPr/>
-        <p:txBody>
-          <a:bodyPr/>
-          <a:lstStyle/>
-          <a:p>
-            <a:endParaRPr lang="en-CH"/>
+              <a:t>2022-06-10</a:t>
+            </a:r>
+          </a:p>
+        </p:txBody>
+      </p:sp>
+      <p:sp>
+        <p:nvSpPr>
+          <p:cNvPr id="4" name="TextBox 3">
+            <a:extLst>
+              <a:ext uri="{FF2B5EF4-FFF2-40B4-BE49-F238E27FC236}">
+                <a16:creationId xmlns:a16="http://schemas.microsoft.com/office/drawing/2014/main" id="{923A566C-949E-AD74-DE67-3A6B91D96AAF}"/>
+              </a:ext>
+            </a:extLst>
+          </p:cNvPr>
+          <p:cNvSpPr txBox="1"/>
+          <p:nvPr/>
+        </p:nvSpPr>
+        <p:spPr>
+          <a:xfrm>
+            <a:off x="3637721" y="684216"/>
+            <a:ext cx="7692887" cy="707886"/>
+          </a:xfrm>
+          <a:prstGeom prst="rect">
+            <a:avLst/>
+          </a:prstGeom>
+          <a:noFill/>
+        </p:spPr>
+        <p:txBody>
+          <a:bodyPr wrap="square" rtlCol="0">
+            <a:spAutoFit/>
+          </a:bodyPr>
+          <a:lstStyle/>
+          <a:p>
+            <a:r>
+              <a:rPr lang="en-CH" sz="4000" dirty="0"/>
+              <a:t>BIO392 survival project</a:t>
+            </a:r>
           </a:p>
         </p:txBody>
       </p:sp>
@@ -4504,7 +4585,7 @@
               <a:rPr lang="en-US" dirty="0"/>
               <a:t>sarcoma</a:t>
             </a:r>
-            <a:endParaRPr lang="en-CH"/>
+            <a:endParaRPr lang="en-CH" dirty="0"/>
           </a:p>
         </p:txBody>
       </p:sp>
@@ -4526,11 +4607,13 @@
         </p:nvSpPr>
         <p:spPr/>
         <p:txBody>
-          <a:bodyPr/>
-          <a:lstStyle/>
-          <a:p>
-            <a:r>
-              <a:rPr lang="en-US" b="0" i="1" u="none" strike="noStrike">
+          <a:bodyPr>
+            <a:normAutofit/>
+          </a:bodyPr>
+          <a:lstStyle/>
+          <a:p>
+            <a:r>
+              <a:rPr lang="en-US" b="0" i="1" u="none" strike="noStrike" dirty="0">
                 <a:solidFill>
                   <a:srgbClr val="000000"/>
                 </a:solidFill>
@@ -4543,40 +4626,27 @@
           <a:p>
             <a:pPr lvl="1"/>
             <a:r>
-              <a:rPr lang="en-US">
+              <a:rPr lang="en-US" dirty="0">
                 <a:solidFill>
                   <a:srgbClr val="000000"/>
                 </a:solidFill>
                 <a:latin typeface="-apple-system"/>
               </a:rPr>
-              <a:t>bone sarcomas / soft-tissue sarcomas</a:t>
-            </a:r>
-            <a:endParaRPr lang="en-US" b="0" i="0" u="none" strike="noStrike">
-              <a:solidFill>
-                <a:srgbClr val="000000"/>
-              </a:solidFill>
-              <a:effectLst/>
-              <a:latin typeface="-apple-system"/>
-            </a:endParaRPr>
+              <a:t>bone sarcoma</a:t>
+            </a:r>
           </a:p>
           <a:p>
             <a:pPr lvl="1"/>
             <a:r>
-              <a:rPr lang="en-US">
+              <a:rPr lang="en-US" b="0" i="0" u="none" strike="noStrike" dirty="0">
                 <a:solidFill>
                   <a:srgbClr val="000000"/>
                 </a:solidFill>
+                <a:effectLst/>
                 <a:latin typeface="-apple-system"/>
               </a:rPr>
-              <a:t>many subtypes</a:t>
-            </a:r>
-            <a:endParaRPr lang="en-US" b="0" i="0" u="none" strike="noStrike">
-              <a:solidFill>
-                <a:srgbClr val="000000"/>
-              </a:solidFill>
-              <a:effectLst/>
-              <a:latin typeface="-apple-system"/>
-            </a:endParaRPr>
+              <a:t>soft tissue sarcoma</a:t>
+            </a:r>
           </a:p>
           <a:p>
             <a:r>
@@ -4592,28 +4662,41 @@
             <a:pPr lvl="1"/>
             <a:r>
               <a:rPr lang="en-CH" dirty="0"/>
-              <a:t>generally: swelling &amp; pain</a:t>
-            </a:r>
-          </a:p>
-          <a:p>
-            <a:r>
-              <a:rPr lang="en-CH" b="1"/>
+              <a:t>generally: local swelling &amp; pain</a:t>
+            </a:r>
+          </a:p>
+          <a:p>
+            <a:r>
+              <a:rPr lang="en-CH" b="1" dirty="0"/>
               <a:t>diagnosis</a:t>
             </a:r>
             <a:r>
-              <a:rPr lang="en-CH"/>
+              <a:rPr lang="en-CH" dirty="0"/>
               <a:t>: X-ray, CT, MRI, biopsy + analysis, ..</a:t>
             </a:r>
           </a:p>
           <a:p>
             <a:r>
-              <a:rPr lang="en-CH" b="1"/>
+              <a:rPr lang="en-CH" b="1" dirty="0"/>
               <a:t>treatment</a:t>
             </a:r>
             <a:r>
-              <a:rPr lang="en-CH"/>
-              <a:t>: surgery, chemptherapy, radiotherapy, ..</a:t>
-            </a:r>
+              <a:rPr lang="en-CH" dirty="0"/>
+              <a:t>: depends on grade and location</a:t>
+            </a:r>
+          </a:p>
+          <a:p>
+            <a:pPr lvl="1"/>
+            <a:r>
+              <a:rPr lang="en-CH" dirty="0"/>
+              <a:t>surgery, chemotherapy, radiation therapy, ..</a:t>
+            </a:r>
+          </a:p>
+          <a:p>
+            <a:pPr marL="0" indent="0">
+              <a:buNone/>
+            </a:pPr>
+            <a:endParaRPr lang="en-CH" dirty="0"/>
           </a:p>
         </p:txBody>
       </p:sp>
@@ -4697,40 +4780,155 @@
           <a:lstStyle/>
           <a:p>
             <a:r>
-              <a:rPr lang="en-CH" b="1"/>
+              <a:rPr lang="en-CH" b="1" dirty="0"/>
               <a:t>factors</a:t>
             </a:r>
             <a:r>
-              <a:rPr lang="en-CH"/>
-              <a:t>: tumor size, local tumor spread, metastases, tumor grade, tumor location</a:t>
-            </a:r>
+              <a:rPr lang="en-CH" dirty="0"/>
+              <a:t>: tumor size, local tumor spread, metastases, tumor grade, tumor location, mitotic rate</a:t>
+            </a:r>
+          </a:p>
+          <a:p>
+            <a:endParaRPr lang="en-CH" dirty="0"/>
+          </a:p>
+          <a:p>
+            <a:r>
+              <a:rPr lang="en-CH" b="1" dirty="0"/>
+              <a:t>5-year survival:</a:t>
+            </a:r>
+          </a:p>
+          <a:p>
+            <a:pPr lvl="1"/>
+            <a:r>
+              <a:rPr lang="en-CH" dirty="0"/>
+              <a:t>bone sarcomas: 67.4% </a:t>
+            </a:r>
+          </a:p>
+          <a:p>
+            <a:pPr lvl="1"/>
+            <a:r>
+              <a:rPr lang="en-CH" dirty="0"/>
+              <a:t>soft tissue sarcomas: 65.4%</a:t>
+            </a:r>
+          </a:p>
+        </p:txBody>
+      </p:sp>
+      <p:sp>
+        <p:nvSpPr>
+          <p:cNvPr id="6" name="TextBox 5">
+            <a:extLst>
+              <a:ext uri="{FF2B5EF4-FFF2-40B4-BE49-F238E27FC236}">
+                <a16:creationId xmlns:a16="http://schemas.microsoft.com/office/drawing/2014/main" id="{8BDAE1A7-EA04-AF5A-07F5-58962713531D}"/>
+              </a:ext>
+            </a:extLst>
+          </p:cNvPr>
+          <p:cNvSpPr txBox="1"/>
+          <p:nvPr/>
+        </p:nvSpPr>
+        <p:spPr>
+          <a:xfrm>
+            <a:off x="4018548" y="6181726"/>
+            <a:ext cx="7736305" cy="372979"/>
+          </a:xfrm>
+          <a:prstGeom prst="rect">
+            <a:avLst/>
+          </a:prstGeom>
+          <a:noFill/>
+        </p:spPr>
+        <p:txBody>
+          <a:bodyPr wrap="square" rtlCol="0">
+            <a:spAutoFit/>
+          </a:bodyPr>
+          <a:lstStyle/>
+          <a:p>
+            <a:r>
+              <a:rPr lang="en-CH" dirty="0"/>
+              <a:t>seer.cancer.gov, retrieved 2022</a:t>
+            </a:r>
+          </a:p>
+        </p:txBody>
+      </p:sp>
+    </p:spTree>
+    <p:extLst>
+      <p:ext uri="{BB962C8B-B14F-4D97-AF65-F5344CB8AC3E}">
+        <p14:creationId xmlns:p14="http://schemas.microsoft.com/office/powerpoint/2010/main" val="3164591146"/>
+      </p:ext>
+    </p:extLst>
+  </p:cSld>
+  <p:clrMapOvr>
+    <a:masterClrMapping/>
+  </p:clrMapOvr>
+</p:sld>
+</file>
+
+<file path=ppt/slides/slide5.xml><?xml version="1.0" encoding="utf-8"?>
+<p:sld xmlns:a="http://schemas.openxmlformats.org/drawingml/2006/main" xmlns:r="http://schemas.openxmlformats.org/officeDocument/2006/relationships" xmlns:p="http://schemas.openxmlformats.org/presentationml/2006/main">
+  <p:cSld>
+    <p:spTree>
+      <p:nvGrpSpPr>
+        <p:cNvPr id="1" name=""/>
+        <p:cNvGrpSpPr/>
+        <p:nvPr/>
+      </p:nvGrpSpPr>
+      <p:grpSpPr>
+        <a:xfrm>
+          <a:off x="0" y="0"/>
+          <a:ext cx="0" cy="0"/>
+          <a:chOff x="0" y="0"/>
+          <a:chExt cx="0" cy="0"/>
+        </a:xfrm>
+      </p:grpSpPr>
+      <p:sp>
+        <p:nvSpPr>
+          <p:cNvPr id="2" name="Title 1">
+            <a:extLst>
+              <a:ext uri="{FF2B5EF4-FFF2-40B4-BE49-F238E27FC236}">
+                <a16:creationId xmlns:a16="http://schemas.microsoft.com/office/drawing/2014/main" id="{E98418FC-016A-CB8C-A48B-E6E42E77D42D}"/>
+              </a:ext>
+            </a:extLst>
+          </p:cNvPr>
+          <p:cNvSpPr>
+            <a:spLocks noGrp="1"/>
+          </p:cNvSpPr>
+          <p:nvPr>
+            <p:ph type="title"/>
+          </p:nvPr>
+        </p:nvSpPr>
+        <p:spPr/>
+        <p:txBody>
+          <a:bodyPr/>
+          <a:lstStyle/>
+          <a:p>
+            <a:endParaRPr lang="en-CH" dirty="0"/>
           </a:p>
         </p:txBody>
       </p:sp>
       <p:pic>
         <p:nvPicPr>
-          <p:cNvPr id="4" name="Picture 3">
-            <a:extLst>
-              <a:ext uri="{FF2B5EF4-FFF2-40B4-BE49-F238E27FC236}">
-                <a16:creationId xmlns:a16="http://schemas.microsoft.com/office/drawing/2014/main" id="{DD987CFD-189C-D696-249B-CE66682AD39A}"/>
+          <p:cNvPr id="4" name="Content Placeholder 3">
+            <a:extLst>
+              <a:ext uri="{FF2B5EF4-FFF2-40B4-BE49-F238E27FC236}">
+                <a16:creationId xmlns:a16="http://schemas.microsoft.com/office/drawing/2014/main" id="{F7D0CDC6-5FDD-28FE-1774-62E8AD51269C}"/>
               </a:ext>
             </a:extLst>
           </p:cNvPr>
           <p:cNvPicPr>
-            <a:picLocks noChangeAspect="1"/>
+            <a:picLocks noGrp="1" noChangeAspect="1"/>
           </p:cNvPicPr>
-          <p:nvPr/>
+          <p:nvPr>
+            <p:ph idx="1"/>
+          </p:nvPr>
         </p:nvPicPr>
         <p:blipFill>
-          <a:blip r:embed="rId3"/>
+          <a:blip r:embed="rId2"/>
           <a:stretch>
             <a:fillRect/>
           </a:stretch>
         </p:blipFill>
         <p:spPr>
           <a:xfrm>
-            <a:off x="3598186" y="2639225"/>
-            <a:ext cx="4995627" cy="3672675"/>
+            <a:off x="1963141" y="637674"/>
+            <a:ext cx="7168827" cy="5270363"/>
           </a:xfrm>
           <a:prstGeom prst="rect">
             <a:avLst/>
@@ -4739,10 +4937,10 @@
       </p:pic>
       <p:sp>
         <p:nvSpPr>
-          <p:cNvPr id="5" name="TextBox 4">
-            <a:extLst>
-              <a:ext uri="{FF2B5EF4-FFF2-40B4-BE49-F238E27FC236}">
-                <a16:creationId xmlns:a16="http://schemas.microsoft.com/office/drawing/2014/main" id="{5336542F-3DCC-D4C4-9B68-34ED884F0FA9}"/>
+          <p:cNvPr id="7" name="TextBox 6">
+            <a:extLst>
+              <a:ext uri="{FF2B5EF4-FFF2-40B4-BE49-F238E27FC236}">
+                <a16:creationId xmlns:a16="http://schemas.microsoft.com/office/drawing/2014/main" id="{FBAB7A0F-6C93-3542-2B69-38A89C4024CF}"/>
               </a:ext>
             </a:extLst>
           </p:cNvPr>
@@ -4751,8 +4949,8 @@
         </p:nvSpPr>
         <p:spPr>
           <a:xfrm>
-            <a:off x="4187687" y="6467821"/>
-            <a:ext cx="12385813" cy="369332"/>
+            <a:off x="2971800" y="6169709"/>
+            <a:ext cx="9143999" cy="369332"/>
           </a:xfrm>
           <a:prstGeom prst="rect">
             <a:avLst/>
@@ -4760,32 +4958,32 @@
           <a:noFill/>
         </p:spPr>
         <p:txBody>
-          <a:bodyPr wrap="square" rtlCol="0">
+          <a:bodyPr wrap="square">
             <a:spAutoFit/>
           </a:bodyPr>
           <a:lstStyle/>
           <a:p>
             <a:r>
-              <a:rPr lang="en-CH"/>
+              <a:rPr lang="en-CH" dirty="0"/>
               <a:t>Borden et al., </a:t>
             </a:r>
             <a:r>
-              <a:rPr lang="en-US" b="0" i="0" u="none" strike="noStrike">
+              <a:rPr lang="en-US" b="0" i="0" u="none" strike="noStrike" dirty="0">
                 <a:solidFill>
                   <a:srgbClr val="000000"/>
                 </a:solidFill>
                 <a:effectLst/>
               </a:rPr>
-              <a:t>Soft tissue sarcomas of adults: State of the translational science, 2003.</a:t>
-            </a:r>
-            <a:endParaRPr lang="en-CH"/>
+              <a:t>Soft tissue sarcomas of adults: State of the translational science, 2003</a:t>
+            </a:r>
+            <a:endParaRPr lang="en-CH" dirty="0"/>
           </a:p>
         </p:txBody>
       </p:sp>
     </p:spTree>
     <p:extLst>
       <p:ext uri="{BB962C8B-B14F-4D97-AF65-F5344CB8AC3E}">
-        <p14:creationId xmlns:p14="http://schemas.microsoft.com/office/powerpoint/2010/main" val="3164591146"/>
+        <p14:creationId xmlns:p14="http://schemas.microsoft.com/office/powerpoint/2010/main" val="3106962920"/>
       </p:ext>
     </p:extLst>
   </p:cSld>
